--- a/ĐỀ TÀI.pptx
+++ b/ĐỀ TÀI.pptx
@@ -8,12 +8,12 @@
     <p:sldId id="256" r:id="rId2"/>
     <p:sldId id="257" r:id="rId3"/>
     <p:sldId id="258" r:id="rId4"/>
-    <p:sldId id="264" r:id="rId5"/>
-    <p:sldId id="259" r:id="rId6"/>
-    <p:sldId id="260" r:id="rId7"/>
-    <p:sldId id="261" r:id="rId8"/>
-    <p:sldId id="262" r:id="rId9"/>
-    <p:sldId id="263" r:id="rId10"/>
+    <p:sldId id="265" r:id="rId5"/>
+    <p:sldId id="264" r:id="rId6"/>
+    <p:sldId id="259" r:id="rId7"/>
+    <p:sldId id="260" r:id="rId8"/>
+    <p:sldId id="261" r:id="rId9"/>
+    <p:sldId id="262" r:id="rId10"/>
   </p:sldIdLst>
   <p:sldSz cx="12192000" cy="6858000"/>
   <p:notesSz cx="6858000" cy="9144000"/>
@@ -7879,10 +7879,642 @@
           <a:lstStyle/>
           <a:p>
             <a:r>
-              <a:rPr lang="en-US" b="1" dirty="0" smtClean="0"/>
+              <a:rPr lang="en-US" b="1" dirty="0" err="1" smtClean="0">
+                <a:solidFill>
+                  <a:schemeClr val="accent4">
+                    <a:lumMod val="20000"/>
+                    <a:lumOff val="80000"/>
+                  </a:schemeClr>
+                </a:solidFill>
+              </a:rPr>
+              <a:t>ii.Mục</a:t>
+            </a:r>
+            <a:r>
+              <a:rPr lang="en-US" b="1" dirty="0" smtClean="0">
+                <a:solidFill>
+                  <a:schemeClr val="accent4">
+                    <a:lumMod val="20000"/>
+                    <a:lumOff val="80000"/>
+                  </a:schemeClr>
+                </a:solidFill>
+              </a:rPr>
+              <a:t> </a:t>
+            </a:r>
+            <a:r>
+              <a:rPr lang="en-US" b="1" dirty="0" err="1" smtClean="0">
+                <a:solidFill>
+                  <a:schemeClr val="accent4">
+                    <a:lumMod val="20000"/>
+                    <a:lumOff val="80000"/>
+                  </a:schemeClr>
+                </a:solidFill>
+              </a:rPr>
+              <a:t>tiêu</a:t>
+            </a:r>
+            <a:r>
+              <a:rPr lang="en-US" b="1" dirty="0" smtClean="0">
+                <a:solidFill>
+                  <a:schemeClr val="accent4">
+                    <a:lumMod val="20000"/>
+                    <a:lumOff val="80000"/>
+                  </a:schemeClr>
+                </a:solidFill>
+              </a:rPr>
+              <a:t> </a:t>
+            </a:r>
+            <a:r>
+              <a:rPr lang="en-US" b="1" dirty="0" err="1" smtClean="0">
+                <a:solidFill>
+                  <a:schemeClr val="accent4">
+                    <a:lumMod val="20000"/>
+                    <a:lumOff val="80000"/>
+                  </a:schemeClr>
+                </a:solidFill>
+              </a:rPr>
+              <a:t>đề</a:t>
+            </a:r>
+            <a:r>
+              <a:rPr lang="en-US" b="1" dirty="0" smtClean="0">
+                <a:solidFill>
+                  <a:schemeClr val="accent4">
+                    <a:lumMod val="20000"/>
+                    <a:lumOff val="80000"/>
+                  </a:schemeClr>
+                </a:solidFill>
+              </a:rPr>
+              <a:t> </a:t>
+            </a:r>
+            <a:r>
+              <a:rPr lang="en-US" b="1" dirty="0" err="1" smtClean="0">
+                <a:solidFill>
+                  <a:schemeClr val="accent4">
+                    <a:lumMod val="20000"/>
+                    <a:lumOff val="80000"/>
+                  </a:schemeClr>
+                </a:solidFill>
+              </a:rPr>
+              <a:t>tài</a:t>
+            </a:r>
+            <a:endParaRPr lang="en-US" b="1" dirty="0">
+              <a:solidFill>
+                <a:schemeClr val="accent4">
+                  <a:lumMod val="20000"/>
+                  <a:lumOff val="80000"/>
+                </a:schemeClr>
+              </a:solidFill>
+            </a:endParaRPr>
+          </a:p>
+        </p:txBody>
+      </p:sp>
+      <p:sp>
+        <p:nvSpPr>
+          <p:cNvPr id="3" name="Content Placeholder 2"/>
+          <p:cNvSpPr>
+            <a:spLocks noGrp="1"/>
+          </p:cNvSpPr>
+          <p:nvPr>
+            <p:ph idx="1"/>
+          </p:nvPr>
+        </p:nvSpPr>
+        <p:spPr/>
+        <p:txBody>
+          <a:bodyPr/>
+          <a:lstStyle/>
+          <a:p>
+            <a:pPr marL="0" lvl="0" indent="0">
+              <a:buNone/>
+            </a:pPr>
+            <a:r>
+              <a:rPr lang="en-US" dirty="0" err="1">
+                <a:latin typeface="Times New Roman" panose="02020603050405020304" pitchFamily="18" charset="0"/>
+                <a:cs typeface="Times New Roman" panose="02020603050405020304" pitchFamily="18" charset="0"/>
+              </a:rPr>
+              <a:t>Đây</a:t>
+            </a:r>
+            <a:r>
+              <a:rPr lang="en-US" dirty="0">
+                <a:latin typeface="Times New Roman" panose="02020603050405020304" pitchFamily="18" charset="0"/>
+                <a:cs typeface="Times New Roman" panose="02020603050405020304" pitchFamily="18" charset="0"/>
+              </a:rPr>
+              <a:t> </a:t>
+            </a:r>
+            <a:r>
+              <a:rPr lang="en-US" dirty="0" err="1">
+                <a:latin typeface="Times New Roman" panose="02020603050405020304" pitchFamily="18" charset="0"/>
+                <a:cs typeface="Times New Roman" panose="02020603050405020304" pitchFamily="18" charset="0"/>
+              </a:rPr>
+              <a:t>là</a:t>
+            </a:r>
+            <a:r>
+              <a:rPr lang="en-US" dirty="0">
+                <a:latin typeface="Times New Roman" panose="02020603050405020304" pitchFamily="18" charset="0"/>
+                <a:cs typeface="Times New Roman" panose="02020603050405020304" pitchFamily="18" charset="0"/>
+              </a:rPr>
+              <a:t> </a:t>
+            </a:r>
+            <a:r>
+              <a:rPr lang="en-US" dirty="0" err="1">
+                <a:latin typeface="Times New Roman" panose="02020603050405020304" pitchFamily="18" charset="0"/>
+                <a:cs typeface="Times New Roman" panose="02020603050405020304" pitchFamily="18" charset="0"/>
+              </a:rPr>
+              <a:t>một</a:t>
+            </a:r>
+            <a:r>
+              <a:rPr lang="en-US" dirty="0">
+                <a:latin typeface="Times New Roman" panose="02020603050405020304" pitchFamily="18" charset="0"/>
+                <a:cs typeface="Times New Roman" panose="02020603050405020304" pitchFamily="18" charset="0"/>
+              </a:rPr>
+              <a:t> website </a:t>
+            </a:r>
+            <a:r>
+              <a:rPr lang="en-US" dirty="0" err="1">
+                <a:latin typeface="Times New Roman" panose="02020603050405020304" pitchFamily="18" charset="0"/>
+                <a:cs typeface="Times New Roman" panose="02020603050405020304" pitchFamily="18" charset="0"/>
+              </a:rPr>
+              <a:t>nhằm</a:t>
+            </a:r>
+            <a:r>
+              <a:rPr lang="en-US" dirty="0">
+                <a:latin typeface="Times New Roman" panose="02020603050405020304" pitchFamily="18" charset="0"/>
+                <a:cs typeface="Times New Roman" panose="02020603050405020304" pitchFamily="18" charset="0"/>
+              </a:rPr>
+              <a:t> </a:t>
+            </a:r>
+            <a:r>
+              <a:rPr lang="en-US" dirty="0" err="1">
+                <a:latin typeface="Times New Roman" panose="02020603050405020304" pitchFamily="18" charset="0"/>
+                <a:cs typeface="Times New Roman" panose="02020603050405020304" pitchFamily="18" charset="0"/>
+              </a:rPr>
+              <a:t>bán</a:t>
+            </a:r>
+            <a:r>
+              <a:rPr lang="en-US" dirty="0">
+                <a:latin typeface="Times New Roman" panose="02020603050405020304" pitchFamily="18" charset="0"/>
+                <a:cs typeface="Times New Roman" panose="02020603050405020304" pitchFamily="18" charset="0"/>
+              </a:rPr>
+              <a:t> </a:t>
+            </a:r>
+            <a:r>
+              <a:rPr lang="en-US" dirty="0" err="1">
+                <a:latin typeface="Times New Roman" panose="02020603050405020304" pitchFamily="18" charset="0"/>
+                <a:cs typeface="Times New Roman" panose="02020603050405020304" pitchFamily="18" charset="0"/>
+              </a:rPr>
+              <a:t>và</a:t>
+            </a:r>
+            <a:r>
+              <a:rPr lang="en-US" dirty="0">
+                <a:latin typeface="Times New Roman" panose="02020603050405020304" pitchFamily="18" charset="0"/>
+                <a:cs typeface="Times New Roman" panose="02020603050405020304" pitchFamily="18" charset="0"/>
+              </a:rPr>
+              <a:t> </a:t>
+            </a:r>
+            <a:r>
+              <a:rPr lang="en-US" dirty="0" err="1">
+                <a:latin typeface="Times New Roman" panose="02020603050405020304" pitchFamily="18" charset="0"/>
+                <a:cs typeface="Times New Roman" panose="02020603050405020304" pitchFamily="18" charset="0"/>
+              </a:rPr>
+              <a:t>giới</a:t>
+            </a:r>
+            <a:r>
+              <a:rPr lang="en-US" dirty="0">
+                <a:latin typeface="Times New Roman" panose="02020603050405020304" pitchFamily="18" charset="0"/>
+                <a:cs typeface="Times New Roman" panose="02020603050405020304" pitchFamily="18" charset="0"/>
+              </a:rPr>
+              <a:t> </a:t>
+            </a:r>
+            <a:r>
+              <a:rPr lang="en-US" dirty="0" err="1">
+                <a:latin typeface="Times New Roman" panose="02020603050405020304" pitchFamily="18" charset="0"/>
+                <a:cs typeface="Times New Roman" panose="02020603050405020304" pitchFamily="18" charset="0"/>
+              </a:rPr>
+              <a:t>thiệu</a:t>
+            </a:r>
+            <a:r>
+              <a:rPr lang="en-US" dirty="0">
+                <a:latin typeface="Times New Roman" panose="02020603050405020304" pitchFamily="18" charset="0"/>
+                <a:cs typeface="Times New Roman" panose="02020603050405020304" pitchFamily="18" charset="0"/>
+              </a:rPr>
+              <a:t> </a:t>
+            </a:r>
+            <a:r>
+              <a:rPr lang="en-US" dirty="0" err="1">
+                <a:latin typeface="Times New Roman" panose="02020603050405020304" pitchFamily="18" charset="0"/>
+                <a:cs typeface="Times New Roman" panose="02020603050405020304" pitchFamily="18" charset="0"/>
+              </a:rPr>
+              <a:t>rộng</a:t>
+            </a:r>
+            <a:r>
+              <a:rPr lang="en-US" dirty="0">
+                <a:latin typeface="Times New Roman" panose="02020603050405020304" pitchFamily="18" charset="0"/>
+                <a:cs typeface="Times New Roman" panose="02020603050405020304" pitchFamily="18" charset="0"/>
+              </a:rPr>
+              <a:t> </a:t>
+            </a:r>
+            <a:r>
+              <a:rPr lang="en-US" dirty="0" err="1">
+                <a:latin typeface="Times New Roman" panose="02020603050405020304" pitchFamily="18" charset="0"/>
+                <a:cs typeface="Times New Roman" panose="02020603050405020304" pitchFamily="18" charset="0"/>
+              </a:rPr>
+              <a:t>rãi</a:t>
+            </a:r>
+            <a:r>
+              <a:rPr lang="en-US" dirty="0">
+                <a:latin typeface="Times New Roman" panose="02020603050405020304" pitchFamily="18" charset="0"/>
+                <a:cs typeface="Times New Roman" panose="02020603050405020304" pitchFamily="18" charset="0"/>
+              </a:rPr>
+              <a:t> </a:t>
+            </a:r>
+            <a:r>
+              <a:rPr lang="en-US" dirty="0" err="1">
+                <a:latin typeface="Times New Roman" panose="02020603050405020304" pitchFamily="18" charset="0"/>
+                <a:cs typeface="Times New Roman" panose="02020603050405020304" pitchFamily="18" charset="0"/>
+              </a:rPr>
+              <a:t>các</a:t>
+            </a:r>
+            <a:r>
+              <a:rPr lang="en-US" dirty="0">
+                <a:latin typeface="Times New Roman" panose="02020603050405020304" pitchFamily="18" charset="0"/>
+                <a:cs typeface="Times New Roman" panose="02020603050405020304" pitchFamily="18" charset="0"/>
+              </a:rPr>
+              <a:t> </a:t>
+            </a:r>
+            <a:r>
+              <a:rPr lang="en-US" dirty="0" err="1">
+                <a:latin typeface="Times New Roman" panose="02020603050405020304" pitchFamily="18" charset="0"/>
+                <a:cs typeface="Times New Roman" panose="02020603050405020304" pitchFamily="18" charset="0"/>
+              </a:rPr>
+              <a:t>mặt</a:t>
+            </a:r>
+            <a:r>
+              <a:rPr lang="en-US" dirty="0">
+                <a:latin typeface="Times New Roman" panose="02020603050405020304" pitchFamily="18" charset="0"/>
+                <a:cs typeface="Times New Roman" panose="02020603050405020304" pitchFamily="18" charset="0"/>
+              </a:rPr>
+              <a:t> </a:t>
+            </a:r>
+            <a:r>
+              <a:rPr lang="en-US" dirty="0" err="1">
+                <a:latin typeface="Times New Roman" panose="02020603050405020304" pitchFamily="18" charset="0"/>
+                <a:cs typeface="Times New Roman" panose="02020603050405020304" pitchFamily="18" charset="0"/>
+              </a:rPr>
+              <a:t>hàng</a:t>
+            </a:r>
+            <a:r>
+              <a:rPr lang="en-US" dirty="0">
+                <a:latin typeface="Times New Roman" panose="02020603050405020304" pitchFamily="18" charset="0"/>
+                <a:cs typeface="Times New Roman" panose="02020603050405020304" pitchFamily="18" charset="0"/>
+              </a:rPr>
+              <a:t> </a:t>
+            </a:r>
+            <a:r>
+              <a:rPr lang="en-US" dirty="0" err="1">
+                <a:latin typeface="Times New Roman" panose="02020603050405020304" pitchFamily="18" charset="0"/>
+                <a:cs typeface="Times New Roman" panose="02020603050405020304" pitchFamily="18" charset="0"/>
+              </a:rPr>
+              <a:t>của</a:t>
+            </a:r>
+            <a:r>
+              <a:rPr lang="en-US" dirty="0">
+                <a:latin typeface="Times New Roman" panose="02020603050405020304" pitchFamily="18" charset="0"/>
+                <a:cs typeface="Times New Roman" panose="02020603050405020304" pitchFamily="18" charset="0"/>
+              </a:rPr>
+              <a:t> </a:t>
+            </a:r>
+            <a:r>
+              <a:rPr lang="en-US" dirty="0" err="1">
+                <a:latin typeface="Times New Roman" panose="02020603050405020304" pitchFamily="18" charset="0"/>
+                <a:cs typeface="Times New Roman" panose="02020603050405020304" pitchFamily="18" charset="0"/>
+              </a:rPr>
+              <a:t>công</a:t>
+            </a:r>
+            <a:r>
+              <a:rPr lang="en-US" dirty="0">
+                <a:latin typeface="Times New Roman" panose="02020603050405020304" pitchFamily="18" charset="0"/>
+                <a:cs typeface="Times New Roman" panose="02020603050405020304" pitchFamily="18" charset="0"/>
+              </a:rPr>
+              <a:t> ty </a:t>
+            </a:r>
+          </a:p>
+          <a:p>
+            <a:pPr marL="0" indent="0">
+              <a:buNone/>
+            </a:pPr>
+            <a:r>
+              <a:rPr lang="en-US" dirty="0" err="1">
+                <a:latin typeface="Times New Roman" panose="02020603050405020304" pitchFamily="18" charset="0"/>
+                <a:cs typeface="Times New Roman" panose="02020603050405020304" pitchFamily="18" charset="0"/>
+              </a:rPr>
+              <a:t>đến</a:t>
+            </a:r>
+            <a:r>
+              <a:rPr lang="en-US" dirty="0">
+                <a:latin typeface="Times New Roman" panose="02020603050405020304" pitchFamily="18" charset="0"/>
+                <a:cs typeface="Times New Roman" panose="02020603050405020304" pitchFamily="18" charset="0"/>
+              </a:rPr>
+              <a:t> </a:t>
+            </a:r>
+            <a:r>
+              <a:rPr lang="en-US" dirty="0" err="1">
+                <a:latin typeface="Times New Roman" panose="02020603050405020304" pitchFamily="18" charset="0"/>
+                <a:cs typeface="Times New Roman" panose="02020603050405020304" pitchFamily="18" charset="0"/>
+              </a:rPr>
+              <a:t>người</a:t>
+            </a:r>
+            <a:r>
+              <a:rPr lang="en-US" dirty="0">
+                <a:latin typeface="Times New Roman" panose="02020603050405020304" pitchFamily="18" charset="0"/>
+                <a:cs typeface="Times New Roman" panose="02020603050405020304" pitchFamily="18" charset="0"/>
+              </a:rPr>
+              <a:t> </a:t>
+            </a:r>
+            <a:r>
+              <a:rPr lang="en-US" dirty="0" err="1">
+                <a:latin typeface="Times New Roman" panose="02020603050405020304" pitchFamily="18" charset="0"/>
+                <a:cs typeface="Times New Roman" panose="02020603050405020304" pitchFamily="18" charset="0"/>
+              </a:rPr>
+              <a:t>tiêu</a:t>
+            </a:r>
+            <a:r>
+              <a:rPr lang="en-US" dirty="0">
+                <a:latin typeface="Times New Roman" panose="02020603050405020304" pitchFamily="18" charset="0"/>
+                <a:cs typeface="Times New Roman" panose="02020603050405020304" pitchFamily="18" charset="0"/>
+              </a:rPr>
+              <a:t> </a:t>
+            </a:r>
+            <a:r>
+              <a:rPr lang="en-US" dirty="0" err="1">
+                <a:latin typeface="Times New Roman" panose="02020603050405020304" pitchFamily="18" charset="0"/>
+                <a:cs typeface="Times New Roman" panose="02020603050405020304" pitchFamily="18" charset="0"/>
+              </a:rPr>
+              <a:t>dùng</a:t>
+            </a:r>
+            <a:r>
+              <a:rPr lang="en-US" dirty="0">
+                <a:latin typeface="Times New Roman" panose="02020603050405020304" pitchFamily="18" charset="0"/>
+                <a:cs typeface="Times New Roman" panose="02020603050405020304" pitchFamily="18" charset="0"/>
+              </a:rPr>
+              <a:t> </a:t>
+            </a:r>
+            <a:r>
+              <a:rPr lang="en-US" dirty="0" err="1">
+                <a:latin typeface="Times New Roman" panose="02020603050405020304" pitchFamily="18" charset="0"/>
+                <a:cs typeface="Times New Roman" panose="02020603050405020304" pitchFamily="18" charset="0"/>
+              </a:rPr>
+              <a:t>với</a:t>
+            </a:r>
+            <a:r>
+              <a:rPr lang="en-US" dirty="0">
+                <a:latin typeface="Times New Roman" panose="02020603050405020304" pitchFamily="18" charset="0"/>
+                <a:cs typeface="Times New Roman" panose="02020603050405020304" pitchFamily="18" charset="0"/>
+              </a:rPr>
+              <a:t> </a:t>
+            </a:r>
+            <a:r>
+              <a:rPr lang="en-US" dirty="0" err="1">
+                <a:latin typeface="Times New Roman" panose="02020603050405020304" pitchFamily="18" charset="0"/>
+                <a:cs typeface="Times New Roman" panose="02020603050405020304" pitchFamily="18" charset="0"/>
+              </a:rPr>
+              <a:t>các</a:t>
+            </a:r>
+            <a:r>
+              <a:rPr lang="en-US" dirty="0">
+                <a:latin typeface="Times New Roman" panose="02020603050405020304" pitchFamily="18" charset="0"/>
+                <a:cs typeface="Times New Roman" panose="02020603050405020304" pitchFamily="18" charset="0"/>
+              </a:rPr>
+              <a:t> chi </a:t>
+            </a:r>
+            <a:r>
+              <a:rPr lang="en-US" dirty="0" err="1">
+                <a:latin typeface="Times New Roman" panose="02020603050405020304" pitchFamily="18" charset="0"/>
+                <a:cs typeface="Times New Roman" panose="02020603050405020304" pitchFamily="18" charset="0"/>
+              </a:rPr>
+              <a:t>tiết</a:t>
+            </a:r>
+            <a:r>
+              <a:rPr lang="en-US" dirty="0">
+                <a:latin typeface="Times New Roman" panose="02020603050405020304" pitchFamily="18" charset="0"/>
+                <a:cs typeface="Times New Roman" panose="02020603050405020304" pitchFamily="18" charset="0"/>
+              </a:rPr>
+              <a:t> </a:t>
+            </a:r>
+            <a:r>
+              <a:rPr lang="en-US" dirty="0" err="1">
+                <a:latin typeface="Times New Roman" panose="02020603050405020304" pitchFamily="18" charset="0"/>
+                <a:cs typeface="Times New Roman" panose="02020603050405020304" pitchFamily="18" charset="0"/>
+              </a:rPr>
+              <a:t>mặt</a:t>
+            </a:r>
+            <a:r>
+              <a:rPr lang="en-US" dirty="0">
+                <a:latin typeface="Times New Roman" panose="02020603050405020304" pitchFamily="18" charset="0"/>
+                <a:cs typeface="Times New Roman" panose="02020603050405020304" pitchFamily="18" charset="0"/>
+              </a:rPr>
+              <a:t> </a:t>
+            </a:r>
+            <a:r>
+              <a:rPr lang="en-US" dirty="0" err="1">
+                <a:latin typeface="Times New Roman" panose="02020603050405020304" pitchFamily="18" charset="0"/>
+                <a:cs typeface="Times New Roman" panose="02020603050405020304" pitchFamily="18" charset="0"/>
+              </a:rPr>
+              <a:t>hàng</a:t>
+            </a:r>
+            <a:r>
+              <a:rPr lang="en-US" dirty="0">
+                <a:latin typeface="Times New Roman" panose="02020603050405020304" pitchFamily="18" charset="0"/>
+                <a:cs typeface="Times New Roman" panose="02020603050405020304" pitchFamily="18" charset="0"/>
+              </a:rPr>
+              <a:t> </a:t>
+            </a:r>
+            <a:r>
+              <a:rPr lang="en-US" dirty="0" err="1">
+                <a:latin typeface="Times New Roman" panose="02020603050405020304" pitchFamily="18" charset="0"/>
+                <a:cs typeface="Times New Roman" panose="02020603050405020304" pitchFamily="18" charset="0"/>
+              </a:rPr>
+              <a:t>cũng</a:t>
+            </a:r>
+            <a:r>
+              <a:rPr lang="en-US" dirty="0">
+                <a:latin typeface="Times New Roman" panose="02020603050405020304" pitchFamily="18" charset="0"/>
+                <a:cs typeface="Times New Roman" panose="02020603050405020304" pitchFamily="18" charset="0"/>
+              </a:rPr>
+              <a:t> </a:t>
+            </a:r>
+            <a:r>
+              <a:rPr lang="en-US" dirty="0" err="1">
+                <a:latin typeface="Times New Roman" panose="02020603050405020304" pitchFamily="18" charset="0"/>
+                <a:cs typeface="Times New Roman" panose="02020603050405020304" pitchFamily="18" charset="0"/>
+              </a:rPr>
+              <a:t>như</a:t>
+            </a:r>
+            <a:r>
+              <a:rPr lang="en-US" dirty="0">
+                <a:latin typeface="Times New Roman" panose="02020603050405020304" pitchFamily="18" charset="0"/>
+                <a:cs typeface="Times New Roman" panose="02020603050405020304" pitchFamily="18" charset="0"/>
+              </a:rPr>
+              <a:t> </a:t>
+            </a:r>
+            <a:r>
+              <a:rPr lang="en-US" dirty="0" err="1">
+                <a:latin typeface="Times New Roman" panose="02020603050405020304" pitchFamily="18" charset="0"/>
+                <a:cs typeface="Times New Roman" panose="02020603050405020304" pitchFamily="18" charset="0"/>
+              </a:rPr>
+              <a:t>giá</a:t>
+            </a:r>
+            <a:r>
+              <a:rPr lang="en-US" dirty="0">
+                <a:latin typeface="Times New Roman" panose="02020603050405020304" pitchFamily="18" charset="0"/>
+                <a:cs typeface="Times New Roman" panose="02020603050405020304" pitchFamily="18" charset="0"/>
+              </a:rPr>
+              <a:t> </a:t>
+            </a:r>
+            <a:r>
+              <a:rPr lang="en-US" dirty="0" err="1">
+                <a:latin typeface="Times New Roman" panose="02020603050405020304" pitchFamily="18" charset="0"/>
+                <a:cs typeface="Times New Roman" panose="02020603050405020304" pitchFamily="18" charset="0"/>
+              </a:rPr>
+              <a:t>cả</a:t>
+            </a:r>
+            <a:r>
+              <a:rPr lang="en-US" dirty="0">
+                <a:latin typeface="Times New Roman" panose="02020603050405020304" pitchFamily="18" charset="0"/>
+                <a:cs typeface="Times New Roman" panose="02020603050405020304" pitchFamily="18" charset="0"/>
+              </a:rPr>
+              <a:t> </a:t>
+            </a:r>
+            <a:r>
+              <a:rPr lang="en-US" dirty="0" err="1">
+                <a:latin typeface="Times New Roman" panose="02020603050405020304" pitchFamily="18" charset="0"/>
+                <a:cs typeface="Times New Roman" panose="02020603050405020304" pitchFamily="18" charset="0"/>
+              </a:rPr>
+              <a:t>một</a:t>
+            </a:r>
+            <a:r>
+              <a:rPr lang="en-US" dirty="0">
+                <a:latin typeface="Times New Roman" panose="02020603050405020304" pitchFamily="18" charset="0"/>
+                <a:cs typeface="Times New Roman" panose="02020603050405020304" pitchFamily="18" charset="0"/>
+              </a:rPr>
+              <a:t> </a:t>
+            </a:r>
+            <a:r>
+              <a:rPr lang="en-US" dirty="0" err="1">
+                <a:latin typeface="Times New Roman" panose="02020603050405020304" pitchFamily="18" charset="0"/>
+                <a:cs typeface="Times New Roman" panose="02020603050405020304" pitchFamily="18" charset="0"/>
+              </a:rPr>
+              <a:t>cách</a:t>
+            </a:r>
+            <a:r>
+              <a:rPr lang="en-US" dirty="0">
+                <a:latin typeface="Times New Roman" panose="02020603050405020304" pitchFamily="18" charset="0"/>
+                <a:cs typeface="Times New Roman" panose="02020603050405020304" pitchFamily="18" charset="0"/>
+              </a:rPr>
+              <a:t> </a:t>
+            </a:r>
+            <a:r>
+              <a:rPr lang="en-US" dirty="0" err="1">
+                <a:latin typeface="Times New Roman" panose="02020603050405020304" pitchFamily="18" charset="0"/>
+                <a:cs typeface="Times New Roman" panose="02020603050405020304" pitchFamily="18" charset="0"/>
+              </a:rPr>
+              <a:t>chính</a:t>
+            </a:r>
+            <a:r>
+              <a:rPr lang="en-US" dirty="0">
+                <a:latin typeface="Times New Roman" panose="02020603050405020304" pitchFamily="18" charset="0"/>
+                <a:cs typeface="Times New Roman" panose="02020603050405020304" pitchFamily="18" charset="0"/>
+              </a:rPr>
+              <a:t> </a:t>
+            </a:r>
+            <a:r>
+              <a:rPr lang="en-US" dirty="0" err="1">
+                <a:latin typeface="Times New Roman" panose="02020603050405020304" pitchFamily="18" charset="0"/>
+                <a:cs typeface="Times New Roman" panose="02020603050405020304" pitchFamily="18" charset="0"/>
+              </a:rPr>
+              <a:t>xác</a:t>
+            </a:r>
+            <a:r>
+              <a:rPr lang="en-US" dirty="0">
+                <a:latin typeface="Times New Roman" panose="02020603050405020304" pitchFamily="18" charset="0"/>
+                <a:cs typeface="Times New Roman" panose="02020603050405020304" pitchFamily="18" charset="0"/>
+              </a:rPr>
+              <a:t> </a:t>
+            </a:r>
+            <a:r>
+              <a:rPr lang="en-US" dirty="0" err="1" smtClean="0">
+                <a:latin typeface="Times New Roman" panose="02020603050405020304" pitchFamily="18" charset="0"/>
+                <a:cs typeface="Times New Roman" panose="02020603050405020304" pitchFamily="18" charset="0"/>
+              </a:rPr>
+              <a:t>nhất</a:t>
+            </a:r>
+            <a:endParaRPr lang="en-US" dirty="0">
+              <a:latin typeface="Times New Roman" panose="02020603050405020304" pitchFamily="18" charset="0"/>
+              <a:cs typeface="Times New Roman" panose="02020603050405020304" pitchFamily="18" charset="0"/>
+            </a:endParaRPr>
+          </a:p>
+        </p:txBody>
+      </p:sp>
+    </p:spTree>
+    <p:extLst>
+      <p:ext uri="{BB962C8B-B14F-4D97-AF65-F5344CB8AC3E}">
+        <p14:creationId xmlns:p14="http://schemas.microsoft.com/office/powerpoint/2010/main" val="576476699"/>
+      </p:ext>
+    </p:extLst>
+  </p:cSld>
+  <p:clrMapOvr>
+    <a:masterClrMapping/>
+  </p:clrMapOvr>
+</p:sld>
+</file>
+
+<file path=ppt/slides/slide5.xml><?xml version="1.0" encoding="utf-8"?>
+<p:sld xmlns:a="http://schemas.openxmlformats.org/drawingml/2006/main" xmlns:r="http://schemas.openxmlformats.org/officeDocument/2006/relationships" xmlns:p="http://schemas.openxmlformats.org/presentationml/2006/main">
+  <p:cSld>
+    <p:spTree>
+      <p:nvGrpSpPr>
+        <p:cNvPr id="1" name=""/>
+        <p:cNvGrpSpPr/>
+        <p:nvPr/>
+      </p:nvGrpSpPr>
+      <p:grpSpPr>
+        <a:xfrm>
+          <a:off x="0" y="0"/>
+          <a:ext cx="0" cy="0"/>
+          <a:chOff x="0" y="0"/>
+          <a:chExt cx="0" cy="0"/>
+        </a:xfrm>
+      </p:grpSpPr>
+      <p:sp>
+        <p:nvSpPr>
+          <p:cNvPr id="2" name="Title 1"/>
+          <p:cNvSpPr>
+            <a:spLocks noGrp="1"/>
+          </p:cNvSpPr>
+          <p:nvPr>
+            <p:ph type="title"/>
+          </p:nvPr>
+        </p:nvSpPr>
+        <p:spPr/>
+        <p:txBody>
+          <a:bodyPr/>
+          <a:lstStyle/>
+          <a:p>
+            <a:r>
+              <a:rPr lang="en-US" b="1" dirty="0" smtClean="0">
+                <a:solidFill>
+                  <a:schemeClr val="accent4">
+                    <a:lumMod val="20000"/>
+                    <a:lumOff val="80000"/>
+                  </a:schemeClr>
+                </a:solidFill>
+              </a:rPr>
               <a:t>II.DATABASE</a:t>
             </a:r>
-            <a:endParaRPr lang="en-US" b="1" dirty="0"/>
+            <a:endParaRPr lang="en-US" b="1" dirty="0">
+              <a:solidFill>
+                <a:schemeClr val="accent4">
+                  <a:lumMod val="20000"/>
+                  <a:lumOff val="80000"/>
+                </a:schemeClr>
+              </a:solidFill>
+            </a:endParaRPr>
           </a:p>
         </p:txBody>
       </p:sp>
@@ -7997,7 +8629,7 @@
 </p:sld>
 </file>
 
-<file path=ppt/slides/slide5.xml><?xml version="1.0" encoding="utf-8"?>
+<file path=ppt/slides/slide6.xml><?xml version="1.0" encoding="utf-8"?>
 <p:sld xmlns:a="http://schemas.openxmlformats.org/drawingml/2006/main" xmlns:r="http://schemas.openxmlformats.org/officeDocument/2006/relationships" xmlns:p="http://schemas.openxmlformats.org/presentationml/2006/main">
   <p:cSld>
     <p:spTree>
@@ -8030,50 +8662,134 @@
           <a:lstStyle/>
           <a:p>
             <a:r>
-              <a:rPr lang="en-US" b="1" dirty="0" err="1" smtClean="0"/>
+              <a:rPr lang="en-US" b="1" dirty="0" err="1" smtClean="0">
+                <a:solidFill>
+                  <a:schemeClr val="accent5">
+                    <a:lumMod val="40000"/>
+                    <a:lumOff val="60000"/>
+                  </a:schemeClr>
+                </a:solidFill>
+              </a:rPr>
               <a:t>III.Một</a:t>
             </a:r>
             <a:r>
-              <a:rPr lang="en-US" b="1" dirty="0" smtClean="0"/>
-              <a:t> </a:t>
-            </a:r>
-            <a:r>
-              <a:rPr lang="en-US" b="1" dirty="0" err="1" smtClean="0"/>
+              <a:rPr lang="en-US" b="1" dirty="0" smtClean="0">
+                <a:solidFill>
+                  <a:schemeClr val="accent5">
+                    <a:lumMod val="40000"/>
+                    <a:lumOff val="60000"/>
+                  </a:schemeClr>
+                </a:solidFill>
+              </a:rPr>
+              <a:t> </a:t>
+            </a:r>
+            <a:r>
+              <a:rPr lang="en-US" b="1" dirty="0" err="1" smtClean="0">
+                <a:solidFill>
+                  <a:schemeClr val="accent5">
+                    <a:lumMod val="40000"/>
+                    <a:lumOff val="60000"/>
+                  </a:schemeClr>
+                </a:solidFill>
+              </a:rPr>
               <a:t>Số</a:t>
             </a:r>
             <a:r>
-              <a:rPr lang="en-US" b="1" dirty="0" smtClean="0"/>
-              <a:t> </a:t>
-            </a:r>
-            <a:r>
-              <a:rPr lang="en-US" b="1" dirty="0" err="1" smtClean="0"/>
+              <a:rPr lang="en-US" b="1" dirty="0" smtClean="0">
+                <a:solidFill>
+                  <a:schemeClr val="accent5">
+                    <a:lumMod val="40000"/>
+                    <a:lumOff val="60000"/>
+                  </a:schemeClr>
+                </a:solidFill>
+              </a:rPr>
+              <a:t> </a:t>
+            </a:r>
+            <a:r>
+              <a:rPr lang="en-US" b="1" dirty="0" err="1" smtClean="0">
+                <a:solidFill>
+                  <a:schemeClr val="accent5">
+                    <a:lumMod val="40000"/>
+                    <a:lumOff val="60000"/>
+                  </a:schemeClr>
+                </a:solidFill>
+              </a:rPr>
               <a:t>chức</a:t>
             </a:r>
             <a:r>
-              <a:rPr lang="en-US" b="1" dirty="0" smtClean="0"/>
-              <a:t> </a:t>
-            </a:r>
-            <a:r>
-              <a:rPr lang="en-US" b="1" dirty="0" err="1" smtClean="0"/>
+              <a:rPr lang="en-US" b="1" dirty="0" smtClean="0">
+                <a:solidFill>
+                  <a:schemeClr val="accent5">
+                    <a:lumMod val="40000"/>
+                    <a:lumOff val="60000"/>
+                  </a:schemeClr>
+                </a:solidFill>
+              </a:rPr>
+              <a:t> </a:t>
+            </a:r>
+            <a:r>
+              <a:rPr lang="en-US" b="1" dirty="0" err="1" smtClean="0">
+                <a:solidFill>
+                  <a:schemeClr val="accent5">
+                    <a:lumMod val="40000"/>
+                    <a:lumOff val="60000"/>
+                  </a:schemeClr>
+                </a:solidFill>
+              </a:rPr>
               <a:t>năng</a:t>
             </a:r>
             <a:r>
-              <a:rPr lang="en-US" b="1" dirty="0" smtClean="0"/>
-              <a:t> </a:t>
-            </a:r>
-            <a:r>
-              <a:rPr lang="en-US" b="1" dirty="0" err="1" smtClean="0"/>
+              <a:rPr lang="en-US" b="1" dirty="0" smtClean="0">
+                <a:solidFill>
+                  <a:schemeClr val="accent5">
+                    <a:lumMod val="40000"/>
+                    <a:lumOff val="60000"/>
+                  </a:schemeClr>
+                </a:solidFill>
+              </a:rPr>
+              <a:t> </a:t>
+            </a:r>
+            <a:r>
+              <a:rPr lang="en-US" b="1" dirty="0" err="1" smtClean="0">
+                <a:solidFill>
+                  <a:schemeClr val="accent5">
+                    <a:lumMod val="40000"/>
+                    <a:lumOff val="60000"/>
+                  </a:schemeClr>
+                </a:solidFill>
+              </a:rPr>
               <a:t>nổi</a:t>
             </a:r>
             <a:r>
-              <a:rPr lang="en-US" b="1" dirty="0" smtClean="0"/>
-              <a:t> </a:t>
-            </a:r>
-            <a:r>
-              <a:rPr lang="en-US" b="1" dirty="0" err="1" smtClean="0"/>
+              <a:rPr lang="en-US" b="1" dirty="0" smtClean="0">
+                <a:solidFill>
+                  <a:schemeClr val="accent5">
+                    <a:lumMod val="40000"/>
+                    <a:lumOff val="60000"/>
+                  </a:schemeClr>
+                </a:solidFill>
+              </a:rPr>
+              <a:t> </a:t>
+            </a:r>
+            <a:r>
+              <a:rPr lang="en-US" b="1" dirty="0" err="1" smtClean="0">
+                <a:solidFill>
+                  <a:schemeClr val="accent5">
+                    <a:lumMod val="40000"/>
+                    <a:lumOff val="60000"/>
+                  </a:schemeClr>
+                </a:solidFill>
+              </a:rPr>
               <a:t>bật</a:t>
             </a:r>
-            <a:endParaRPr lang="en-US" b="1" dirty="0"/>
+            <a:endParaRPr lang="en-US" b="1" dirty="0">
+              <a:solidFill>
+                <a:schemeClr val="accent5">
+                  <a:lumMod val="40000"/>
+                  <a:lumOff val="60000"/>
+                </a:schemeClr>
+              </a:solidFill>
+            </a:endParaRPr>
           </a:p>
         </p:txBody>
       </p:sp>
@@ -8145,7 +8861,7 @@
 </p:sld>
 </file>
 
-<file path=ppt/slides/slide6.xml><?xml version="1.0" encoding="utf-8"?>
+<file path=ppt/slides/slide7.xml><?xml version="1.0" encoding="utf-8"?>
 <p:sld xmlns:a="http://schemas.openxmlformats.org/drawingml/2006/main" xmlns:r="http://schemas.openxmlformats.org/officeDocument/2006/relationships" xmlns:p="http://schemas.openxmlformats.org/presentationml/2006/main">
   <p:cSld>
     <p:spTree>
@@ -8178,50 +8894,134 @@
           <a:lstStyle/>
           <a:p>
             <a:r>
-              <a:rPr lang="en-US" b="1" dirty="0" err="1" smtClean="0"/>
+              <a:rPr lang="en-US" b="1" dirty="0" err="1" smtClean="0">
+                <a:solidFill>
+                  <a:schemeClr val="accent5">
+                    <a:lumMod val="40000"/>
+                    <a:lumOff val="60000"/>
+                  </a:schemeClr>
+                </a:solidFill>
+              </a:rPr>
               <a:t>III.Một</a:t>
             </a:r>
             <a:r>
-              <a:rPr lang="en-US" b="1" dirty="0" smtClean="0"/>
-              <a:t> </a:t>
-            </a:r>
-            <a:r>
-              <a:rPr lang="en-US" b="1" dirty="0" err="1" smtClean="0"/>
+              <a:rPr lang="en-US" b="1" dirty="0" smtClean="0">
+                <a:solidFill>
+                  <a:schemeClr val="accent5">
+                    <a:lumMod val="40000"/>
+                    <a:lumOff val="60000"/>
+                  </a:schemeClr>
+                </a:solidFill>
+              </a:rPr>
+              <a:t> </a:t>
+            </a:r>
+            <a:r>
+              <a:rPr lang="en-US" b="1" dirty="0" err="1" smtClean="0">
+                <a:solidFill>
+                  <a:schemeClr val="accent5">
+                    <a:lumMod val="40000"/>
+                    <a:lumOff val="60000"/>
+                  </a:schemeClr>
+                </a:solidFill>
+              </a:rPr>
               <a:t>Số</a:t>
             </a:r>
             <a:r>
-              <a:rPr lang="en-US" b="1" dirty="0" smtClean="0"/>
-              <a:t> </a:t>
-            </a:r>
-            <a:r>
-              <a:rPr lang="en-US" b="1" dirty="0" err="1" smtClean="0"/>
+              <a:rPr lang="en-US" b="1" dirty="0" smtClean="0">
+                <a:solidFill>
+                  <a:schemeClr val="accent5">
+                    <a:lumMod val="40000"/>
+                    <a:lumOff val="60000"/>
+                  </a:schemeClr>
+                </a:solidFill>
+              </a:rPr>
+              <a:t> </a:t>
+            </a:r>
+            <a:r>
+              <a:rPr lang="en-US" b="1" dirty="0" err="1" smtClean="0">
+                <a:solidFill>
+                  <a:schemeClr val="accent5">
+                    <a:lumMod val="40000"/>
+                    <a:lumOff val="60000"/>
+                  </a:schemeClr>
+                </a:solidFill>
+              </a:rPr>
               <a:t>chức</a:t>
             </a:r>
             <a:r>
-              <a:rPr lang="en-US" b="1" dirty="0" smtClean="0"/>
-              <a:t> </a:t>
-            </a:r>
-            <a:r>
-              <a:rPr lang="en-US" b="1" dirty="0" err="1" smtClean="0"/>
+              <a:rPr lang="en-US" b="1" dirty="0" smtClean="0">
+                <a:solidFill>
+                  <a:schemeClr val="accent5">
+                    <a:lumMod val="40000"/>
+                    <a:lumOff val="60000"/>
+                  </a:schemeClr>
+                </a:solidFill>
+              </a:rPr>
+              <a:t> </a:t>
+            </a:r>
+            <a:r>
+              <a:rPr lang="en-US" b="1" dirty="0" err="1" smtClean="0">
+                <a:solidFill>
+                  <a:schemeClr val="accent5">
+                    <a:lumMod val="40000"/>
+                    <a:lumOff val="60000"/>
+                  </a:schemeClr>
+                </a:solidFill>
+              </a:rPr>
               <a:t>năng</a:t>
             </a:r>
             <a:r>
-              <a:rPr lang="en-US" b="1" dirty="0" smtClean="0"/>
-              <a:t> </a:t>
-            </a:r>
-            <a:r>
-              <a:rPr lang="en-US" b="1" dirty="0" err="1" smtClean="0"/>
+              <a:rPr lang="en-US" b="1" dirty="0" smtClean="0">
+                <a:solidFill>
+                  <a:schemeClr val="accent5">
+                    <a:lumMod val="40000"/>
+                    <a:lumOff val="60000"/>
+                  </a:schemeClr>
+                </a:solidFill>
+              </a:rPr>
+              <a:t> </a:t>
+            </a:r>
+            <a:r>
+              <a:rPr lang="en-US" b="1" dirty="0" err="1" smtClean="0">
+                <a:solidFill>
+                  <a:schemeClr val="accent5">
+                    <a:lumMod val="40000"/>
+                    <a:lumOff val="60000"/>
+                  </a:schemeClr>
+                </a:solidFill>
+              </a:rPr>
               <a:t>nổi</a:t>
             </a:r>
             <a:r>
-              <a:rPr lang="en-US" b="1" dirty="0" smtClean="0"/>
-              <a:t> </a:t>
-            </a:r>
-            <a:r>
-              <a:rPr lang="en-US" b="1" dirty="0" err="1" smtClean="0"/>
+              <a:rPr lang="en-US" b="1" dirty="0" smtClean="0">
+                <a:solidFill>
+                  <a:schemeClr val="accent5">
+                    <a:lumMod val="40000"/>
+                    <a:lumOff val="60000"/>
+                  </a:schemeClr>
+                </a:solidFill>
+              </a:rPr>
+              <a:t> </a:t>
+            </a:r>
+            <a:r>
+              <a:rPr lang="en-US" b="1" dirty="0" err="1" smtClean="0">
+                <a:solidFill>
+                  <a:schemeClr val="accent5">
+                    <a:lumMod val="40000"/>
+                    <a:lumOff val="60000"/>
+                  </a:schemeClr>
+                </a:solidFill>
+              </a:rPr>
               <a:t>bật</a:t>
             </a:r>
-            <a:endParaRPr lang="en-US" b="1" dirty="0"/>
+            <a:endParaRPr lang="en-US" b="1" dirty="0">
+              <a:solidFill>
+                <a:schemeClr val="accent5">
+                  <a:lumMod val="40000"/>
+                  <a:lumOff val="60000"/>
+                </a:schemeClr>
+              </a:solidFill>
+            </a:endParaRPr>
           </a:p>
         </p:txBody>
       </p:sp>
@@ -8291,7 +9091,7 @@
 </p:sld>
 </file>
 
-<file path=ppt/slides/slide7.xml><?xml version="1.0" encoding="utf-8"?>
+<file path=ppt/slides/slide8.xml><?xml version="1.0" encoding="utf-8"?>
 <p:sld xmlns:a="http://schemas.openxmlformats.org/drawingml/2006/main" xmlns:r="http://schemas.openxmlformats.org/officeDocument/2006/relationships" xmlns:p="http://schemas.openxmlformats.org/presentationml/2006/main">
   <p:cSld>
     <p:spTree>
@@ -8324,50 +9124,134 @@
           <a:lstStyle/>
           <a:p>
             <a:r>
-              <a:rPr lang="en-US" b="1" dirty="0" err="1" smtClean="0"/>
+              <a:rPr lang="en-US" b="1" dirty="0" err="1" smtClean="0">
+                <a:solidFill>
+                  <a:schemeClr val="accent5">
+                    <a:lumMod val="40000"/>
+                    <a:lumOff val="60000"/>
+                  </a:schemeClr>
+                </a:solidFill>
+              </a:rPr>
               <a:t>III.Một</a:t>
             </a:r>
             <a:r>
-              <a:rPr lang="en-US" b="1" dirty="0" smtClean="0"/>
-              <a:t> </a:t>
-            </a:r>
-            <a:r>
-              <a:rPr lang="en-US" b="1" dirty="0" err="1" smtClean="0"/>
+              <a:rPr lang="en-US" b="1" dirty="0" smtClean="0">
+                <a:solidFill>
+                  <a:schemeClr val="accent5">
+                    <a:lumMod val="40000"/>
+                    <a:lumOff val="60000"/>
+                  </a:schemeClr>
+                </a:solidFill>
+              </a:rPr>
+              <a:t> </a:t>
+            </a:r>
+            <a:r>
+              <a:rPr lang="en-US" b="1" dirty="0" err="1" smtClean="0">
+                <a:solidFill>
+                  <a:schemeClr val="accent5">
+                    <a:lumMod val="40000"/>
+                    <a:lumOff val="60000"/>
+                  </a:schemeClr>
+                </a:solidFill>
+              </a:rPr>
               <a:t>Số</a:t>
             </a:r>
             <a:r>
-              <a:rPr lang="en-US" b="1" dirty="0" smtClean="0"/>
-              <a:t> </a:t>
-            </a:r>
-            <a:r>
-              <a:rPr lang="en-US" b="1" dirty="0" err="1" smtClean="0"/>
+              <a:rPr lang="en-US" b="1" dirty="0" smtClean="0">
+                <a:solidFill>
+                  <a:schemeClr val="accent5">
+                    <a:lumMod val="40000"/>
+                    <a:lumOff val="60000"/>
+                  </a:schemeClr>
+                </a:solidFill>
+              </a:rPr>
+              <a:t> </a:t>
+            </a:r>
+            <a:r>
+              <a:rPr lang="en-US" b="1" dirty="0" err="1" smtClean="0">
+                <a:solidFill>
+                  <a:schemeClr val="accent5">
+                    <a:lumMod val="40000"/>
+                    <a:lumOff val="60000"/>
+                  </a:schemeClr>
+                </a:solidFill>
+              </a:rPr>
               <a:t>chức</a:t>
             </a:r>
             <a:r>
-              <a:rPr lang="en-US" b="1" dirty="0" smtClean="0"/>
-              <a:t> </a:t>
-            </a:r>
-            <a:r>
-              <a:rPr lang="en-US" b="1" dirty="0" err="1" smtClean="0"/>
+              <a:rPr lang="en-US" b="1" dirty="0" smtClean="0">
+                <a:solidFill>
+                  <a:schemeClr val="accent5">
+                    <a:lumMod val="40000"/>
+                    <a:lumOff val="60000"/>
+                  </a:schemeClr>
+                </a:solidFill>
+              </a:rPr>
+              <a:t> </a:t>
+            </a:r>
+            <a:r>
+              <a:rPr lang="en-US" b="1" dirty="0" err="1" smtClean="0">
+                <a:solidFill>
+                  <a:schemeClr val="accent5">
+                    <a:lumMod val="40000"/>
+                    <a:lumOff val="60000"/>
+                  </a:schemeClr>
+                </a:solidFill>
+              </a:rPr>
               <a:t>năng</a:t>
             </a:r>
             <a:r>
-              <a:rPr lang="en-US" b="1" dirty="0" smtClean="0"/>
-              <a:t> </a:t>
-            </a:r>
-            <a:r>
-              <a:rPr lang="en-US" b="1" dirty="0" err="1" smtClean="0"/>
+              <a:rPr lang="en-US" b="1" dirty="0" smtClean="0">
+                <a:solidFill>
+                  <a:schemeClr val="accent5">
+                    <a:lumMod val="40000"/>
+                    <a:lumOff val="60000"/>
+                  </a:schemeClr>
+                </a:solidFill>
+              </a:rPr>
+              <a:t> </a:t>
+            </a:r>
+            <a:r>
+              <a:rPr lang="en-US" b="1" dirty="0" err="1" smtClean="0">
+                <a:solidFill>
+                  <a:schemeClr val="accent5">
+                    <a:lumMod val="40000"/>
+                    <a:lumOff val="60000"/>
+                  </a:schemeClr>
+                </a:solidFill>
+              </a:rPr>
               <a:t>nổi</a:t>
             </a:r>
             <a:r>
-              <a:rPr lang="en-US" b="1" dirty="0" smtClean="0"/>
-              <a:t> </a:t>
-            </a:r>
-            <a:r>
-              <a:rPr lang="en-US" b="1" dirty="0" err="1" smtClean="0"/>
+              <a:rPr lang="en-US" b="1" dirty="0" smtClean="0">
+                <a:solidFill>
+                  <a:schemeClr val="accent5">
+                    <a:lumMod val="40000"/>
+                    <a:lumOff val="60000"/>
+                  </a:schemeClr>
+                </a:solidFill>
+              </a:rPr>
+              <a:t> </a:t>
+            </a:r>
+            <a:r>
+              <a:rPr lang="en-US" b="1" dirty="0" err="1" smtClean="0">
+                <a:solidFill>
+                  <a:schemeClr val="accent5">
+                    <a:lumMod val="40000"/>
+                    <a:lumOff val="60000"/>
+                  </a:schemeClr>
+                </a:solidFill>
+              </a:rPr>
               <a:t>bật</a:t>
             </a:r>
-            <a:endParaRPr lang="en-US" b="1" dirty="0"/>
+            <a:endParaRPr lang="en-US" b="1" dirty="0">
+              <a:solidFill>
+                <a:schemeClr val="accent5">
+                  <a:lumMod val="40000"/>
+                  <a:lumOff val="60000"/>
+                </a:schemeClr>
+              </a:solidFill>
+            </a:endParaRPr>
           </a:p>
         </p:txBody>
       </p:sp>
@@ -8437,639 +9321,6 @@
 </p:sld>
 </file>
 
-<file path=ppt/slides/slide8.xml><?xml version="1.0" encoding="utf-8"?>
-<p:sld xmlns:a="http://schemas.openxmlformats.org/drawingml/2006/main" xmlns:r="http://schemas.openxmlformats.org/officeDocument/2006/relationships" xmlns:p="http://schemas.openxmlformats.org/presentationml/2006/main">
-  <p:cSld>
-    <p:spTree>
-      <p:nvGrpSpPr>
-        <p:cNvPr id="1" name=""/>
-        <p:cNvGrpSpPr/>
-        <p:nvPr/>
-      </p:nvGrpSpPr>
-      <p:grpSpPr>
-        <a:xfrm>
-          <a:off x="0" y="0"/>
-          <a:ext cx="0" cy="0"/>
-          <a:chOff x="0" y="0"/>
-          <a:chExt cx="0" cy="0"/>
-        </a:xfrm>
-      </p:grpSpPr>
-      <p:sp>
-        <p:nvSpPr>
-          <p:cNvPr id="2" name="Title 1"/>
-          <p:cNvSpPr>
-            <a:spLocks noGrp="1"/>
-          </p:cNvSpPr>
-          <p:nvPr>
-            <p:ph type="title"/>
-          </p:nvPr>
-        </p:nvSpPr>
-        <p:spPr/>
-        <p:txBody>
-          <a:bodyPr/>
-          <a:lstStyle/>
-          <a:p>
-            <a:r>
-              <a:rPr lang="en-US" b="1" dirty="0" smtClean="0"/>
-              <a:t>IV.ƯU </a:t>
-            </a:r>
-            <a:r>
-              <a:rPr lang="en-US" b="1" dirty="0" smtClean="0"/>
-              <a:t>ĐIỂM,NHƯỢC ĐIỂM</a:t>
-            </a:r>
-            <a:endParaRPr lang="en-US" b="1" dirty="0"/>
-          </a:p>
-        </p:txBody>
-      </p:sp>
-      <p:sp>
-        <p:nvSpPr>
-          <p:cNvPr id="4" name="Rectangle 3"/>
-          <p:cNvSpPr/>
-          <p:nvPr/>
-        </p:nvSpPr>
-        <p:spPr>
-          <a:xfrm>
-            <a:off x="1186248" y="2133770"/>
-            <a:ext cx="6096000" cy="3416320"/>
-          </a:xfrm>
-          <a:prstGeom prst="rect">
-            <a:avLst/>
-          </a:prstGeom>
-        </p:spPr>
-        <p:txBody>
-          <a:bodyPr>
-            <a:spAutoFit/>
-          </a:bodyPr>
-          <a:lstStyle/>
-          <a:p>
-            <a:r>
-              <a:rPr lang="en-US" b="1" dirty="0" smtClean="0">
-                <a:solidFill>
-                  <a:schemeClr val="accent4">
-                    <a:lumMod val="60000"/>
-                    <a:lumOff val="40000"/>
-                  </a:schemeClr>
-                </a:solidFill>
-              </a:rPr>
-              <a:t>1.ƯU ĐIỂM</a:t>
-            </a:r>
-            <a:r>
-              <a:rPr lang="en-US" b="1" dirty="0" smtClean="0">
-                <a:solidFill>
-                  <a:schemeClr val="accent4">
-                    <a:lumMod val="60000"/>
-                    <a:lumOff val="40000"/>
-                  </a:schemeClr>
-                </a:solidFill>
-              </a:rPr>
-              <a:t>:</a:t>
-            </a:r>
-          </a:p>
-          <a:p>
-            <a:r>
-              <a:rPr lang="en-US" b="1" dirty="0" smtClean="0"/>
-              <a:t>	-</a:t>
-            </a:r>
-            <a:r>
-              <a:rPr lang="en-US" dirty="0" err="1"/>
-              <a:t>Trang</a:t>
-            </a:r>
-            <a:r>
-              <a:rPr lang="en-US" dirty="0"/>
-              <a:t> web </a:t>
-            </a:r>
-            <a:r>
-              <a:rPr lang="en-US" dirty="0" err="1"/>
-              <a:t>có</a:t>
-            </a:r>
-            <a:r>
-              <a:rPr lang="en-US" dirty="0"/>
-              <a:t> </a:t>
-            </a:r>
-            <a:r>
-              <a:rPr lang="en-US" dirty="0" err="1"/>
-              <a:t>giao</a:t>
-            </a:r>
-            <a:r>
-              <a:rPr lang="en-US" dirty="0"/>
-              <a:t> </a:t>
-            </a:r>
-            <a:r>
-              <a:rPr lang="en-US" dirty="0" err="1"/>
-              <a:t>diện</a:t>
-            </a:r>
-            <a:r>
-              <a:rPr lang="en-US" dirty="0"/>
-              <a:t> </a:t>
-            </a:r>
-            <a:r>
-              <a:rPr lang="en-US" dirty="0" err="1"/>
-              <a:t>thân</a:t>
-            </a:r>
-            <a:r>
-              <a:rPr lang="en-US" dirty="0"/>
-              <a:t> </a:t>
-            </a:r>
-            <a:r>
-              <a:rPr lang="en-US" dirty="0" err="1"/>
-              <a:t>thiện</a:t>
-            </a:r>
-            <a:r>
-              <a:rPr lang="en-US" dirty="0"/>
-              <a:t>, </a:t>
-            </a:r>
-            <a:endParaRPr lang="en-US" dirty="0" smtClean="0"/>
-          </a:p>
-          <a:p>
-            <a:r>
-              <a:rPr lang="en-US" dirty="0"/>
-              <a:t>	</a:t>
-            </a:r>
-            <a:r>
-              <a:rPr lang="en-US" dirty="0" smtClean="0"/>
-              <a:t>-</a:t>
-            </a:r>
-            <a:r>
-              <a:rPr lang="en-US" dirty="0" err="1" smtClean="0"/>
-              <a:t>Dễ</a:t>
-            </a:r>
-            <a:r>
-              <a:rPr lang="en-US" dirty="0" smtClean="0"/>
-              <a:t> </a:t>
-            </a:r>
-            <a:r>
-              <a:rPr lang="en-US" dirty="0" err="1"/>
-              <a:t>thao</a:t>
-            </a:r>
-            <a:r>
-              <a:rPr lang="en-US" dirty="0"/>
-              <a:t> </a:t>
-            </a:r>
-            <a:r>
-              <a:rPr lang="en-US" dirty="0" err="1"/>
-              <a:t>tác</a:t>
-            </a:r>
-            <a:r>
-              <a:rPr lang="en-US" dirty="0"/>
-              <a:t> </a:t>
-            </a:r>
-            <a:r>
-              <a:rPr lang="en-US" dirty="0" err="1"/>
-              <a:t>và</a:t>
-            </a:r>
-            <a:r>
-              <a:rPr lang="en-US" dirty="0"/>
-              <a:t> </a:t>
-            </a:r>
-            <a:r>
-              <a:rPr lang="en-US" dirty="0" err="1"/>
-              <a:t>sử</a:t>
-            </a:r>
-            <a:r>
-              <a:rPr lang="en-US" dirty="0"/>
-              <a:t> </a:t>
-            </a:r>
-            <a:r>
-              <a:rPr lang="en-US" dirty="0" err="1" smtClean="0"/>
-              <a:t>dụng</a:t>
-            </a:r>
-            <a:r>
-              <a:rPr lang="en-US" dirty="0" smtClean="0"/>
-              <a:t>.</a:t>
-            </a:r>
-          </a:p>
-          <a:p>
-            <a:r>
-              <a:rPr lang="en-US" b="1" dirty="0"/>
-              <a:t>	</a:t>
-            </a:r>
-            <a:r>
-              <a:rPr lang="en-US" b="1" dirty="0" smtClean="0"/>
-              <a:t>-</a:t>
-            </a:r>
-            <a:r>
-              <a:rPr lang="en-US" dirty="0" smtClean="0"/>
-              <a:t> </a:t>
-            </a:r>
-            <a:r>
-              <a:rPr lang="en-US" dirty="0" err="1"/>
-              <a:t>Đ</a:t>
-            </a:r>
-            <a:r>
-              <a:rPr lang="en-US" dirty="0" err="1" smtClean="0"/>
-              <a:t>ược</a:t>
-            </a:r>
-            <a:r>
-              <a:rPr lang="en-US" dirty="0" smtClean="0"/>
-              <a:t> </a:t>
-            </a:r>
-            <a:r>
-              <a:rPr lang="en-US" dirty="0" err="1"/>
-              <a:t>viết</a:t>
-            </a:r>
-            <a:r>
-              <a:rPr lang="en-US" dirty="0"/>
-              <a:t> </a:t>
-            </a:r>
-            <a:r>
-              <a:rPr lang="en-US" dirty="0" err="1"/>
-              <a:t>bằng</a:t>
-            </a:r>
-            <a:r>
-              <a:rPr lang="en-US" dirty="0"/>
-              <a:t> </a:t>
-            </a:r>
-            <a:r>
-              <a:rPr lang="en-US" dirty="0" smtClean="0">
-                <a:solidFill>
-                  <a:schemeClr val="accent4">
-                    <a:lumMod val="60000"/>
-                    <a:lumOff val="40000"/>
-                  </a:schemeClr>
-                </a:solidFill>
-              </a:rPr>
-              <a:t>M</a:t>
-            </a:r>
-            <a:r>
-              <a:rPr lang="en-US" dirty="0" smtClean="0">
-                <a:solidFill>
-                  <a:schemeClr val="accent6">
-                    <a:lumMod val="60000"/>
-                    <a:lumOff val="40000"/>
-                  </a:schemeClr>
-                </a:solidFill>
-              </a:rPr>
-              <a:t>E</a:t>
-            </a:r>
-            <a:r>
-              <a:rPr lang="en-US" dirty="0" smtClean="0">
-                <a:solidFill>
-                  <a:schemeClr val="accent3">
-                    <a:lumMod val="60000"/>
-                    <a:lumOff val="40000"/>
-                  </a:schemeClr>
-                </a:solidFill>
-              </a:rPr>
-              <a:t>R</a:t>
-            </a:r>
-            <a:r>
-              <a:rPr lang="en-US" dirty="0" smtClean="0">
-                <a:solidFill>
-                  <a:schemeClr val="accent4"/>
-                </a:solidFill>
-              </a:rPr>
-              <a:t>N</a:t>
-            </a:r>
-            <a:r>
-              <a:rPr lang="en-US" dirty="0" smtClean="0"/>
-              <a:t> STACK </a:t>
-            </a:r>
-            <a:r>
-              <a:rPr lang="en-US" dirty="0" err="1" smtClean="0"/>
-              <a:t>nên</a:t>
-            </a:r>
-            <a:r>
-              <a:rPr lang="en-US" dirty="0" smtClean="0"/>
-              <a:t> </a:t>
-            </a:r>
-            <a:r>
-              <a:rPr lang="en-US" dirty="0" err="1" smtClean="0"/>
-              <a:t>có</a:t>
-            </a:r>
-            <a:r>
-              <a:rPr lang="en-US" dirty="0" smtClean="0"/>
-              <a:t> </a:t>
-            </a:r>
-            <a:r>
-              <a:rPr lang="en-US" dirty="0" err="1"/>
-              <a:t>tốc</a:t>
-            </a:r>
-            <a:r>
-              <a:rPr lang="en-US" dirty="0"/>
-              <a:t> </a:t>
-            </a:r>
-            <a:r>
-              <a:rPr lang="en-US" dirty="0" err="1"/>
-              <a:t>độ</a:t>
-            </a:r>
-            <a:r>
-              <a:rPr lang="en-US" dirty="0"/>
-              <a:t> </a:t>
-            </a:r>
-            <a:r>
-              <a:rPr lang="en-US" dirty="0" err="1" smtClean="0"/>
-              <a:t>xử</a:t>
-            </a:r>
-            <a:r>
-              <a:rPr lang="en-US" dirty="0" smtClean="0"/>
-              <a:t> </a:t>
-            </a:r>
-            <a:r>
-              <a:rPr lang="en-US" dirty="0" err="1"/>
-              <a:t>lí</a:t>
-            </a:r>
-            <a:r>
-              <a:rPr lang="en-US" dirty="0"/>
-              <a:t> </a:t>
-            </a:r>
-            <a:r>
-              <a:rPr lang="en-US" dirty="0" err="1"/>
-              <a:t>cao</a:t>
-            </a:r>
-            <a:r>
-              <a:rPr lang="en-US" dirty="0" smtClean="0"/>
-              <a:t>.</a:t>
-            </a:r>
-          </a:p>
-          <a:p>
-            <a:r>
-              <a:rPr lang="en-US" dirty="0"/>
-              <a:t>	</a:t>
-            </a:r>
-            <a:r>
-              <a:rPr lang="en-US" dirty="0" smtClean="0"/>
-              <a:t>-</a:t>
-            </a:r>
-            <a:r>
-              <a:rPr lang="en-US" dirty="0" err="1" smtClean="0"/>
-              <a:t>Hiện</a:t>
-            </a:r>
-            <a:r>
-              <a:rPr lang="en-US" dirty="0" smtClean="0"/>
-              <a:t> </a:t>
-            </a:r>
-            <a:r>
-              <a:rPr lang="en-US" dirty="0" err="1" smtClean="0"/>
-              <a:t>thị</a:t>
-            </a:r>
-            <a:r>
-              <a:rPr lang="en-US" dirty="0" smtClean="0"/>
-              <a:t> </a:t>
-            </a:r>
-            <a:r>
-              <a:rPr lang="en-US" dirty="0" err="1" smtClean="0"/>
-              <a:t>sản</a:t>
-            </a:r>
-            <a:r>
-              <a:rPr lang="en-US" dirty="0" smtClean="0"/>
-              <a:t> </a:t>
-            </a:r>
-            <a:r>
-              <a:rPr lang="en-US" dirty="0" err="1" smtClean="0"/>
-              <a:t>phẩm</a:t>
-            </a:r>
-            <a:r>
-              <a:rPr lang="en-US" dirty="0" smtClean="0"/>
-              <a:t> </a:t>
-            </a:r>
-            <a:r>
-              <a:rPr lang="en-US" dirty="0" err="1" smtClean="0"/>
-              <a:t>nổi</a:t>
-            </a:r>
-            <a:r>
-              <a:rPr lang="en-US" dirty="0" smtClean="0"/>
-              <a:t> </a:t>
-            </a:r>
-            <a:r>
-              <a:rPr lang="en-US" dirty="0" err="1" smtClean="0"/>
-              <a:t>bật</a:t>
-            </a:r>
-            <a:r>
-              <a:rPr lang="en-US" dirty="0" smtClean="0"/>
-              <a:t> </a:t>
-            </a:r>
-            <a:r>
-              <a:rPr lang="en-US" dirty="0" err="1" smtClean="0"/>
-              <a:t>cho</a:t>
-            </a:r>
-            <a:r>
-              <a:rPr lang="en-US" dirty="0" smtClean="0"/>
-              <a:t> </a:t>
-            </a:r>
-            <a:r>
-              <a:rPr lang="en-US" dirty="0" err="1" smtClean="0"/>
-              <a:t>người</a:t>
-            </a:r>
-            <a:r>
-              <a:rPr lang="en-US" dirty="0" smtClean="0"/>
-              <a:t> </a:t>
-            </a:r>
-            <a:r>
-              <a:rPr lang="en-US" dirty="0" err="1" smtClean="0"/>
-              <a:t>dùng</a:t>
-            </a:r>
-            <a:r>
-              <a:rPr lang="en-US" dirty="0" smtClean="0"/>
-              <a:t>.</a:t>
-            </a:r>
-            <a:endParaRPr lang="en-US" dirty="0"/>
-          </a:p>
-          <a:p>
-            <a:endParaRPr lang="en-US" b="1" dirty="0"/>
-          </a:p>
-          <a:p>
-            <a:r>
-              <a:rPr lang="en-US" b="1" dirty="0" smtClean="0">
-                <a:solidFill>
-                  <a:schemeClr val="accent6">
-                    <a:lumMod val="60000"/>
-                    <a:lumOff val="40000"/>
-                  </a:schemeClr>
-                </a:solidFill>
-              </a:rPr>
-              <a:t>2.NHƯỢC </a:t>
-            </a:r>
-            <a:r>
-              <a:rPr lang="en-US" b="1" dirty="0" smtClean="0">
-                <a:solidFill>
-                  <a:schemeClr val="accent6">
-                    <a:lumMod val="60000"/>
-                    <a:lumOff val="40000"/>
-                  </a:schemeClr>
-                </a:solidFill>
-              </a:rPr>
-              <a:t>ĐIỂM</a:t>
-            </a:r>
-            <a:r>
-              <a:rPr lang="en-US" b="1" dirty="0" smtClean="0">
-                <a:solidFill>
-                  <a:schemeClr val="accent6">
-                    <a:lumMod val="60000"/>
-                    <a:lumOff val="40000"/>
-                  </a:schemeClr>
-                </a:solidFill>
-              </a:rPr>
-              <a:t>:</a:t>
-            </a:r>
-          </a:p>
-          <a:p>
-            <a:r>
-              <a:rPr lang="en-US" b="1" dirty="0"/>
-              <a:t>	</a:t>
-            </a:r>
-            <a:r>
-              <a:rPr lang="en-US" dirty="0" smtClean="0"/>
-              <a:t>-</a:t>
-            </a:r>
-            <a:r>
-              <a:rPr lang="en-US" dirty="0" err="1" smtClean="0"/>
-              <a:t>Phát</a:t>
-            </a:r>
-            <a:r>
-              <a:rPr lang="en-US" dirty="0" smtClean="0"/>
-              <a:t> </a:t>
-            </a:r>
-            <a:r>
-              <a:rPr lang="en-US" dirty="0" err="1" smtClean="0"/>
-              <a:t>triển</a:t>
-            </a:r>
-            <a:r>
-              <a:rPr lang="en-US" dirty="0" smtClean="0"/>
-              <a:t> </a:t>
-            </a:r>
-            <a:r>
-              <a:rPr lang="en-US" dirty="0" err="1" smtClean="0"/>
-              <a:t>thêm</a:t>
-            </a:r>
-            <a:r>
-              <a:rPr lang="en-US" dirty="0" smtClean="0"/>
-              <a:t> </a:t>
-            </a:r>
-            <a:r>
-              <a:rPr lang="en-US" dirty="0" err="1" smtClean="0"/>
-              <a:t>tính</a:t>
-            </a:r>
-            <a:r>
-              <a:rPr lang="en-US" dirty="0" smtClean="0"/>
-              <a:t> </a:t>
-            </a:r>
-            <a:r>
-              <a:rPr lang="en-US" dirty="0" err="1" smtClean="0"/>
-              <a:t>năng</a:t>
-            </a:r>
-            <a:r>
-              <a:rPr lang="en-US" dirty="0" smtClean="0"/>
-              <a:t> </a:t>
-            </a:r>
-            <a:r>
-              <a:rPr lang="en-US" dirty="0" err="1" smtClean="0"/>
-              <a:t>thanh</a:t>
-            </a:r>
-            <a:r>
-              <a:rPr lang="en-US" dirty="0" smtClean="0"/>
-              <a:t> </a:t>
-            </a:r>
-            <a:r>
-              <a:rPr lang="en-US" dirty="0" err="1" smtClean="0"/>
-              <a:t>toán</a:t>
-            </a:r>
-            <a:r>
-              <a:rPr lang="en-US" dirty="0" smtClean="0"/>
-              <a:t> online</a:t>
-            </a:r>
-            <a:r>
-              <a:rPr lang="en-US" b="1" dirty="0" smtClean="0"/>
-              <a:t>.</a:t>
-            </a:r>
-          </a:p>
-          <a:p>
-            <a:r>
-              <a:rPr lang="en-US" b="1" dirty="0"/>
-              <a:t>	</a:t>
-            </a:r>
-            <a:r>
-              <a:rPr lang="en-US" dirty="0" smtClean="0"/>
-              <a:t>-</a:t>
-            </a:r>
-            <a:r>
-              <a:rPr lang="en-US" dirty="0" err="1" smtClean="0"/>
-              <a:t>Phát</a:t>
-            </a:r>
-            <a:r>
-              <a:rPr lang="en-US" dirty="0" smtClean="0"/>
-              <a:t> </a:t>
-            </a:r>
-            <a:r>
-              <a:rPr lang="en-US" dirty="0" err="1" smtClean="0"/>
-              <a:t>triển</a:t>
-            </a:r>
-            <a:r>
-              <a:rPr lang="en-US" dirty="0" smtClean="0"/>
-              <a:t> </a:t>
-            </a:r>
-            <a:r>
-              <a:rPr lang="en-US" dirty="0" err="1" smtClean="0"/>
-              <a:t>thêm</a:t>
-            </a:r>
-            <a:r>
-              <a:rPr lang="en-US" dirty="0" smtClean="0"/>
-              <a:t> </a:t>
-            </a:r>
-            <a:r>
-              <a:rPr lang="en-US" dirty="0" err="1"/>
-              <a:t>t</a:t>
-            </a:r>
-            <a:r>
-              <a:rPr lang="en-US" dirty="0" err="1" smtClean="0"/>
-              <a:t>hống</a:t>
-            </a:r>
-            <a:r>
-              <a:rPr lang="en-US" dirty="0" smtClean="0"/>
-              <a:t> </a:t>
-            </a:r>
-            <a:r>
-              <a:rPr lang="en-US" dirty="0" err="1" smtClean="0"/>
-              <a:t>kê</a:t>
-            </a:r>
-            <a:r>
-              <a:rPr lang="en-US" dirty="0" smtClean="0"/>
-              <a:t> </a:t>
-            </a:r>
-            <a:r>
-              <a:rPr lang="en-US" dirty="0" err="1" smtClean="0"/>
-              <a:t>doanh</a:t>
-            </a:r>
-            <a:r>
-              <a:rPr lang="en-US" dirty="0" smtClean="0"/>
-              <a:t> </a:t>
-            </a:r>
-            <a:r>
-              <a:rPr lang="en-US" dirty="0" err="1" smtClean="0"/>
-              <a:t>thu</a:t>
-            </a:r>
-            <a:r>
-              <a:rPr lang="en-US" dirty="0" smtClean="0"/>
-              <a:t>.</a:t>
-            </a:r>
-          </a:p>
-          <a:p>
-            <a:r>
-              <a:rPr lang="en-US" dirty="0"/>
-              <a:t>	</a:t>
-            </a:r>
-            <a:endParaRPr lang="en-US" dirty="0" smtClean="0"/>
-          </a:p>
-          <a:p>
-            <a:endParaRPr lang="en-US" b="1" dirty="0" smtClean="0"/>
-          </a:p>
-          <a:p>
-            <a:endParaRPr lang="en-US" b="1" dirty="0"/>
-          </a:p>
-        </p:txBody>
-      </p:sp>
-    </p:spTree>
-    <p:extLst>
-      <p:ext uri="{BB962C8B-B14F-4D97-AF65-F5344CB8AC3E}">
-        <p14:creationId xmlns:p14="http://schemas.microsoft.com/office/powerpoint/2010/main" val="2887385442"/>
-      </p:ext>
-    </p:extLst>
-  </p:cSld>
-  <p:clrMapOvr>
-    <a:masterClrMapping/>
-  </p:clrMapOvr>
-</p:sld>
-</file>
-
 <file path=ppt/slides/slide9.xml><?xml version="1.0" encoding="utf-8"?>
 <p:sld xmlns:a="http://schemas.openxmlformats.org/drawingml/2006/main" xmlns:r="http://schemas.openxmlformats.org/officeDocument/2006/relationships" xmlns:p="http://schemas.openxmlformats.org/presentationml/2006/main">
   <p:cSld>
@@ -9103,14 +9354,24 @@
           <a:lstStyle/>
           <a:p>
             <a:r>
-              <a:rPr lang="en-US" b="1" dirty="0" smtClean="0"/>
-              <a:t>V.HƯỚNG </a:t>
-            </a:r>
-            <a:r>
-              <a:rPr lang="en-US" b="1" dirty="0" smtClean="0"/>
-              <a:t>PHÁT TRIỂN</a:t>
-            </a:r>
-            <a:endParaRPr lang="en-US" b="1" dirty="0"/>
+              <a:rPr lang="en-US" b="1" dirty="0" smtClean="0">
+                <a:solidFill>
+                  <a:schemeClr val="accent5">
+                    <a:lumMod val="40000"/>
+                    <a:lumOff val="60000"/>
+                  </a:schemeClr>
+                </a:solidFill>
+              </a:rPr>
+              <a:t>IV.ƯU ĐIỂM,NHƯỢC ĐIỂM</a:t>
+            </a:r>
+            <a:endParaRPr lang="en-US" b="1" dirty="0">
+              <a:solidFill>
+                <a:schemeClr val="accent5">
+                  <a:lumMod val="40000"/>
+                  <a:lumOff val="60000"/>
+                </a:schemeClr>
+              </a:solidFill>
+            </a:endParaRPr>
           </a:p>
         </p:txBody>
       </p:sp>
@@ -9123,7 +9384,7 @@
         <p:spPr>
           <a:xfrm>
             <a:off x="1186248" y="2133770"/>
-            <a:ext cx="6096000" cy="1200329"/>
+            <a:ext cx="6096000" cy="3416320"/>
           </a:xfrm>
           <a:prstGeom prst="rect">
             <a:avLst/>
@@ -9136,20 +9397,392 @@
           <a:lstStyle/>
           <a:p>
             <a:r>
+              <a:rPr lang="en-US" b="1" dirty="0" smtClean="0">
+                <a:solidFill>
+                  <a:schemeClr val="accent4">
+                    <a:lumMod val="60000"/>
+                    <a:lumOff val="40000"/>
+                  </a:schemeClr>
+                </a:solidFill>
+              </a:rPr>
+              <a:t>1.ƯU ĐIỂM:</a:t>
+            </a:r>
+          </a:p>
+          <a:p>
+            <a:r>
+              <a:rPr lang="en-US" b="1" dirty="0" smtClean="0"/>
+              <a:t>	-</a:t>
+            </a:r>
+            <a:r>
+              <a:rPr lang="en-US" dirty="0" err="1"/>
+              <a:t>Trang</a:t>
+            </a:r>
+            <a:r>
+              <a:rPr lang="en-US" dirty="0"/>
+              <a:t> web </a:t>
+            </a:r>
+            <a:r>
+              <a:rPr lang="en-US" dirty="0" err="1"/>
+              <a:t>có</a:t>
+            </a:r>
+            <a:r>
+              <a:rPr lang="en-US" dirty="0"/>
+              <a:t> </a:t>
+            </a:r>
+            <a:r>
+              <a:rPr lang="en-US" dirty="0" err="1"/>
+              <a:t>giao</a:t>
+            </a:r>
+            <a:r>
+              <a:rPr lang="en-US" dirty="0"/>
+              <a:t> </a:t>
+            </a:r>
+            <a:r>
+              <a:rPr lang="en-US" dirty="0" err="1"/>
+              <a:t>diện</a:t>
+            </a:r>
+            <a:r>
+              <a:rPr lang="en-US" dirty="0"/>
+              <a:t> </a:t>
+            </a:r>
+            <a:r>
+              <a:rPr lang="en-US" dirty="0" err="1"/>
+              <a:t>thân</a:t>
+            </a:r>
+            <a:r>
+              <a:rPr lang="en-US" dirty="0"/>
+              <a:t> </a:t>
+            </a:r>
+            <a:r>
+              <a:rPr lang="en-US" dirty="0" err="1"/>
+              <a:t>thiện</a:t>
+            </a:r>
+            <a:r>
+              <a:rPr lang="en-US" dirty="0"/>
+              <a:t>, </a:t>
+            </a:r>
+            <a:endParaRPr lang="en-US" dirty="0" smtClean="0"/>
+          </a:p>
+          <a:p>
+            <a:r>
+              <a:rPr lang="en-US" dirty="0"/>
+              <a:t>	</a:t>
+            </a:r>
+            <a:r>
               <a:rPr lang="en-US" dirty="0" smtClean="0"/>
               <a:t>-</a:t>
             </a:r>
             <a:r>
               <a:rPr lang="en-US" dirty="0" err="1" smtClean="0"/>
-              <a:t>Tích</a:t>
+              <a:t>Dễ</a:t>
             </a:r>
             <a:r>
               <a:rPr lang="en-US" dirty="0" smtClean="0"/>
               <a:t> </a:t>
             </a:r>
             <a:r>
+              <a:rPr lang="en-US" dirty="0" err="1"/>
+              <a:t>thao</a:t>
+            </a:r>
+            <a:r>
+              <a:rPr lang="en-US" dirty="0"/>
+              <a:t> </a:t>
+            </a:r>
+            <a:r>
+              <a:rPr lang="en-US" dirty="0" err="1"/>
+              <a:t>tác</a:t>
+            </a:r>
+            <a:r>
+              <a:rPr lang="en-US" dirty="0"/>
+              <a:t> </a:t>
+            </a:r>
+            <a:r>
+              <a:rPr lang="en-US" dirty="0" err="1"/>
+              <a:t>và</a:t>
+            </a:r>
+            <a:r>
+              <a:rPr lang="en-US" dirty="0"/>
+              <a:t> </a:t>
+            </a:r>
+            <a:r>
+              <a:rPr lang="en-US" dirty="0" err="1"/>
+              <a:t>sử</a:t>
+            </a:r>
+            <a:r>
+              <a:rPr lang="en-US" dirty="0"/>
+              <a:t> </a:t>
+            </a:r>
+            <a:r>
               <a:rPr lang="en-US" dirty="0" err="1" smtClean="0"/>
-              <a:t>hợp</a:t>
+              <a:t>dụng</a:t>
+            </a:r>
+            <a:r>
+              <a:rPr lang="en-US" dirty="0" smtClean="0"/>
+              <a:t>.</a:t>
+            </a:r>
+          </a:p>
+          <a:p>
+            <a:r>
+              <a:rPr lang="en-US" b="1" dirty="0"/>
+              <a:t>	</a:t>
+            </a:r>
+            <a:r>
+              <a:rPr lang="en-US" b="1" dirty="0" smtClean="0"/>
+              <a:t>-</a:t>
+            </a:r>
+            <a:r>
+              <a:rPr lang="en-US" dirty="0" smtClean="0"/>
+              <a:t> </a:t>
+            </a:r>
+            <a:r>
+              <a:rPr lang="en-US" dirty="0" err="1"/>
+              <a:t>Đ</a:t>
+            </a:r>
+            <a:r>
+              <a:rPr lang="en-US" dirty="0" err="1" smtClean="0"/>
+              <a:t>ược</a:t>
+            </a:r>
+            <a:r>
+              <a:rPr lang="en-US" dirty="0" smtClean="0"/>
+              <a:t> </a:t>
+            </a:r>
+            <a:r>
+              <a:rPr lang="en-US" dirty="0" err="1"/>
+              <a:t>viết</a:t>
+            </a:r>
+            <a:r>
+              <a:rPr lang="en-US" dirty="0"/>
+              <a:t> </a:t>
+            </a:r>
+            <a:r>
+              <a:rPr lang="en-US" dirty="0" err="1"/>
+              <a:t>bằng</a:t>
+            </a:r>
+            <a:r>
+              <a:rPr lang="en-US" dirty="0"/>
+              <a:t> </a:t>
+            </a:r>
+            <a:r>
+              <a:rPr lang="en-US" dirty="0" smtClean="0">
+                <a:solidFill>
+                  <a:schemeClr val="accent4">
+                    <a:lumMod val="60000"/>
+                    <a:lumOff val="40000"/>
+                  </a:schemeClr>
+                </a:solidFill>
+              </a:rPr>
+              <a:t>M</a:t>
+            </a:r>
+            <a:r>
+              <a:rPr lang="en-US" dirty="0" smtClean="0">
+                <a:solidFill>
+                  <a:schemeClr val="accent6">
+                    <a:lumMod val="60000"/>
+                    <a:lumOff val="40000"/>
+                  </a:schemeClr>
+                </a:solidFill>
+              </a:rPr>
+              <a:t>E</a:t>
+            </a:r>
+            <a:r>
+              <a:rPr lang="en-US" dirty="0" smtClean="0">
+                <a:solidFill>
+                  <a:schemeClr val="accent3">
+                    <a:lumMod val="60000"/>
+                    <a:lumOff val="40000"/>
+                  </a:schemeClr>
+                </a:solidFill>
+              </a:rPr>
+              <a:t>R</a:t>
+            </a:r>
+            <a:r>
+              <a:rPr lang="en-US" dirty="0" smtClean="0">
+                <a:solidFill>
+                  <a:schemeClr val="accent4"/>
+                </a:solidFill>
+              </a:rPr>
+              <a:t>N</a:t>
+            </a:r>
+            <a:r>
+              <a:rPr lang="en-US" dirty="0" smtClean="0"/>
+              <a:t> STACK </a:t>
+            </a:r>
+            <a:r>
+              <a:rPr lang="en-US" dirty="0" err="1" smtClean="0"/>
+              <a:t>nên</a:t>
+            </a:r>
+            <a:r>
+              <a:rPr lang="en-US" dirty="0" smtClean="0"/>
+              <a:t> </a:t>
+            </a:r>
+            <a:r>
+              <a:rPr lang="en-US" dirty="0" err="1" smtClean="0"/>
+              <a:t>có</a:t>
+            </a:r>
+            <a:r>
+              <a:rPr lang="en-US" dirty="0" smtClean="0"/>
+              <a:t> </a:t>
+            </a:r>
+            <a:r>
+              <a:rPr lang="en-US" dirty="0" err="1"/>
+              <a:t>tốc</a:t>
+            </a:r>
+            <a:r>
+              <a:rPr lang="en-US" dirty="0"/>
+              <a:t> </a:t>
+            </a:r>
+            <a:r>
+              <a:rPr lang="en-US" dirty="0" err="1"/>
+              <a:t>độ</a:t>
+            </a:r>
+            <a:r>
+              <a:rPr lang="en-US" dirty="0"/>
+              <a:t> </a:t>
+            </a:r>
+            <a:r>
+              <a:rPr lang="en-US" dirty="0" err="1" smtClean="0"/>
+              <a:t>xử</a:t>
+            </a:r>
+            <a:r>
+              <a:rPr lang="en-US" dirty="0" smtClean="0"/>
+              <a:t> </a:t>
+            </a:r>
+            <a:r>
+              <a:rPr lang="en-US" dirty="0" err="1"/>
+              <a:t>lí</a:t>
+            </a:r>
+            <a:r>
+              <a:rPr lang="en-US" dirty="0"/>
+              <a:t> </a:t>
+            </a:r>
+            <a:r>
+              <a:rPr lang="en-US" dirty="0" err="1"/>
+              <a:t>cao</a:t>
+            </a:r>
+            <a:r>
+              <a:rPr lang="en-US" dirty="0" smtClean="0"/>
+              <a:t>.</a:t>
+            </a:r>
+          </a:p>
+          <a:p>
+            <a:r>
+              <a:rPr lang="en-US" dirty="0"/>
+              <a:t>	</a:t>
+            </a:r>
+            <a:r>
+              <a:rPr lang="en-US" dirty="0" smtClean="0"/>
+              <a:t>-</a:t>
+            </a:r>
+            <a:r>
+              <a:rPr lang="en-US" dirty="0" err="1" smtClean="0"/>
+              <a:t>Hiện</a:t>
+            </a:r>
+            <a:r>
+              <a:rPr lang="en-US" dirty="0" smtClean="0"/>
+              <a:t> </a:t>
+            </a:r>
+            <a:r>
+              <a:rPr lang="en-US" dirty="0" err="1" smtClean="0"/>
+              <a:t>thị</a:t>
+            </a:r>
+            <a:r>
+              <a:rPr lang="en-US" dirty="0" smtClean="0"/>
+              <a:t> </a:t>
+            </a:r>
+            <a:r>
+              <a:rPr lang="en-US" dirty="0" err="1" smtClean="0"/>
+              <a:t>sản</a:t>
+            </a:r>
+            <a:r>
+              <a:rPr lang="en-US" dirty="0" smtClean="0"/>
+              <a:t> </a:t>
+            </a:r>
+            <a:r>
+              <a:rPr lang="en-US" dirty="0" err="1" smtClean="0"/>
+              <a:t>phẩm</a:t>
+            </a:r>
+            <a:r>
+              <a:rPr lang="en-US" dirty="0" smtClean="0"/>
+              <a:t> </a:t>
+            </a:r>
+            <a:r>
+              <a:rPr lang="en-US" dirty="0" err="1" smtClean="0"/>
+              <a:t>nổi</a:t>
+            </a:r>
+            <a:r>
+              <a:rPr lang="en-US" dirty="0" smtClean="0"/>
+              <a:t> </a:t>
+            </a:r>
+            <a:r>
+              <a:rPr lang="en-US" dirty="0" err="1" smtClean="0"/>
+              <a:t>bật</a:t>
+            </a:r>
+            <a:r>
+              <a:rPr lang="en-US" dirty="0" smtClean="0"/>
+              <a:t> </a:t>
+            </a:r>
+            <a:r>
+              <a:rPr lang="en-US" dirty="0" err="1" smtClean="0"/>
+              <a:t>cho</a:t>
+            </a:r>
+            <a:r>
+              <a:rPr lang="en-US" dirty="0" smtClean="0"/>
+              <a:t> </a:t>
+            </a:r>
+            <a:r>
+              <a:rPr lang="en-US" dirty="0" err="1" smtClean="0"/>
+              <a:t>người</a:t>
+            </a:r>
+            <a:r>
+              <a:rPr lang="en-US" dirty="0" smtClean="0"/>
+              <a:t> </a:t>
+            </a:r>
+            <a:r>
+              <a:rPr lang="en-US" dirty="0" err="1" smtClean="0"/>
+              <a:t>dùng</a:t>
+            </a:r>
+            <a:r>
+              <a:rPr lang="en-US" dirty="0" smtClean="0"/>
+              <a:t>.</a:t>
+            </a:r>
+            <a:endParaRPr lang="en-US" dirty="0"/>
+          </a:p>
+          <a:p>
+            <a:endParaRPr lang="en-US" b="1" dirty="0"/>
+          </a:p>
+          <a:p>
+            <a:r>
+              <a:rPr lang="en-US" b="1" dirty="0" smtClean="0">
+                <a:solidFill>
+                  <a:schemeClr val="accent6">
+                    <a:lumMod val="60000"/>
+                    <a:lumOff val="40000"/>
+                  </a:schemeClr>
+                </a:solidFill>
+              </a:rPr>
+              <a:t>2.NHƯỢC ĐIỂM:</a:t>
+            </a:r>
+          </a:p>
+          <a:p>
+            <a:r>
+              <a:rPr lang="en-US" b="1" dirty="0"/>
+              <a:t>	</a:t>
+            </a:r>
+            <a:r>
+              <a:rPr lang="en-US" dirty="0" smtClean="0"/>
+              <a:t>-</a:t>
+            </a:r>
+            <a:r>
+              <a:rPr lang="en-US" dirty="0" err="1" smtClean="0"/>
+              <a:t>Phát</a:t>
+            </a:r>
+            <a:r>
+              <a:rPr lang="en-US" dirty="0" smtClean="0"/>
+              <a:t> </a:t>
+            </a:r>
+            <a:r>
+              <a:rPr lang="en-US" dirty="0" err="1" smtClean="0"/>
+              <a:t>triển</a:t>
             </a:r>
             <a:r>
               <a:rPr lang="en-US" dirty="0" smtClean="0"/>
@@ -9161,11 +9794,11 @@
             </a:r>
             <a:r>
               <a:rPr lang="en-US" dirty="0" smtClean="0"/>
-              <a:t> AI </a:t>
+              <a:t> </a:t>
             </a:r>
             <a:r>
               <a:rPr lang="en-US" dirty="0" err="1" smtClean="0"/>
-              <a:t>để</a:t>
+              <a:t>tính</a:t>
             </a:r>
             <a:r>
               <a:rPr lang="en-US" dirty="0" smtClean="0"/>
@@ -9173,7 +9806,7 @@
             </a:r>
             <a:r>
               <a:rPr lang="en-US" dirty="0" err="1" smtClean="0"/>
-              <a:t>kiểm</a:t>
+              <a:t>năng</a:t>
             </a:r>
             <a:r>
               <a:rPr lang="en-US" dirty="0" smtClean="0"/>
@@ -9181,7 +9814,7 @@
             </a:r>
             <a:r>
               <a:rPr lang="en-US" dirty="0" err="1" smtClean="0"/>
-              <a:t>soát</a:t>
+              <a:t>thanh</a:t>
             </a:r>
             <a:r>
               <a:rPr lang="en-US" dirty="0" smtClean="0"/>
@@ -9189,15 +9822,29 @@
             </a:r>
             <a:r>
               <a:rPr lang="en-US" dirty="0" err="1" smtClean="0"/>
-              <a:t>thói</a:t>
+              <a:t>toán</a:t>
             </a:r>
             <a:r>
               <a:rPr lang="en-US" dirty="0" smtClean="0"/>
-              <a:t> </a:t>
+              <a:t> online</a:t>
+            </a:r>
+            <a:r>
+              <a:rPr lang="en-US" b="1" dirty="0" smtClean="0"/>
+              <a:t>.</a:t>
+            </a:r>
+          </a:p>
+          <a:p>
+            <a:r>
+              <a:rPr lang="en-US" b="1" dirty="0"/>
+              <a:t>	</a:t>
+            </a:r>
+            <a:r>
+              <a:rPr lang="en-US" dirty="0" smtClean="0"/>
+              <a:t>-</a:t>
             </a:r>
             <a:r>
               <a:rPr lang="en-US" dirty="0" err="1" smtClean="0"/>
-              <a:t>quen</a:t>
+              <a:t>Phát</a:t>
             </a:r>
             <a:r>
               <a:rPr lang="en-US" dirty="0" smtClean="0"/>
@@ -9205,15 +9852,7 @@
             </a:r>
             <a:r>
               <a:rPr lang="en-US" dirty="0" err="1" smtClean="0"/>
-              <a:t>người</a:t>
-            </a:r>
-            <a:r>
-              <a:rPr lang="en-US" dirty="0" smtClean="0"/>
-              <a:t> dung </a:t>
-            </a:r>
-            <a:r>
-              <a:rPr lang="en-US" dirty="0" err="1" smtClean="0"/>
-              <a:t>khi</a:t>
+              <a:t>triển</a:t>
             </a:r>
             <a:r>
               <a:rPr lang="en-US" dirty="0" smtClean="0"/>
@@ -9228,8 +9867,12 @@
               <a:t> </a:t>
             </a:r>
             <a:r>
+              <a:rPr lang="en-US" dirty="0" err="1"/>
+              <a:t>t</a:t>
+            </a:r>
+            <a:r>
               <a:rPr lang="en-US" dirty="0" err="1" smtClean="0"/>
-              <a:t>sản</a:t>
+              <a:t>hống</a:t>
             </a:r>
             <a:r>
               <a:rPr lang="en-US" dirty="0" smtClean="0"/>
@@ -9237,7 +9880,23 @@
             </a:r>
             <a:r>
               <a:rPr lang="en-US" dirty="0" err="1" smtClean="0"/>
-              <a:t>phẩm</a:t>
+              <a:t>kê</a:t>
+            </a:r>
+            <a:r>
+              <a:rPr lang="en-US" dirty="0" smtClean="0"/>
+              <a:t> </a:t>
+            </a:r>
+            <a:r>
+              <a:rPr lang="en-US" dirty="0" err="1" smtClean="0"/>
+              <a:t>doanh</a:t>
+            </a:r>
+            <a:r>
+              <a:rPr lang="en-US" dirty="0" smtClean="0"/>
+              <a:t> </a:t>
+            </a:r>
+            <a:r>
+              <a:rPr lang="en-US" dirty="0" err="1" smtClean="0"/>
+              <a:t>thu</a:t>
             </a:r>
             <a:r>
               <a:rPr lang="en-US" dirty="0" smtClean="0"/>
@@ -9246,111 +9905,23 @@
           </a:p>
           <a:p>
             <a:r>
-              <a:rPr lang="en-US" dirty="0" smtClean="0"/>
-              <a:t>-</a:t>
-            </a:r>
-            <a:r>
-              <a:rPr lang="en-US" dirty="0" err="1" smtClean="0"/>
-              <a:t>Khắc</a:t>
-            </a:r>
-            <a:r>
-              <a:rPr lang="en-US" dirty="0" smtClean="0"/>
-              <a:t> </a:t>
-            </a:r>
-            <a:r>
-              <a:rPr lang="en-US" dirty="0" err="1" smtClean="0"/>
-              <a:t>phục</a:t>
-            </a:r>
-            <a:r>
-              <a:rPr lang="en-US" dirty="0" smtClean="0"/>
-              <a:t> </a:t>
-            </a:r>
-            <a:r>
-              <a:rPr lang="en-US" dirty="0" err="1" smtClean="0"/>
-              <a:t>nhược</a:t>
-            </a:r>
-            <a:r>
-              <a:rPr lang="en-US" dirty="0" smtClean="0"/>
-              <a:t> </a:t>
-            </a:r>
-            <a:r>
-              <a:rPr lang="en-US" dirty="0" err="1" smtClean="0"/>
-              <a:t>điểm</a:t>
-            </a:r>
-            <a:r>
-              <a:rPr lang="en-US" dirty="0" smtClean="0"/>
-              <a:t> ở </a:t>
-            </a:r>
-            <a:r>
-              <a:rPr lang="en-US" dirty="0" err="1" smtClean="0"/>
-              <a:t>trên</a:t>
-            </a:r>
-            <a:r>
-              <a:rPr lang="en-US" dirty="0" smtClean="0"/>
-              <a:t>.</a:t>
-            </a:r>
-          </a:p>
-          <a:p>
-            <a:r>
-              <a:rPr lang="en-US" dirty="0" smtClean="0"/>
-              <a:t>-</a:t>
-            </a:r>
-            <a:r>
-              <a:rPr lang="en-US" dirty="0" err="1" smtClean="0"/>
-              <a:t>Phát</a:t>
-            </a:r>
-            <a:r>
-              <a:rPr lang="en-US" dirty="0" smtClean="0"/>
-              <a:t> </a:t>
-            </a:r>
-            <a:r>
-              <a:rPr lang="en-US" dirty="0" err="1" smtClean="0"/>
-              <a:t>triển</a:t>
-            </a:r>
-            <a:r>
-              <a:rPr lang="en-US" dirty="0" smtClean="0"/>
-              <a:t> </a:t>
-            </a:r>
-            <a:r>
-              <a:rPr lang="en-US" dirty="0" err="1" smtClean="0"/>
-              <a:t>ứng</a:t>
-            </a:r>
-            <a:r>
-              <a:rPr lang="en-US" dirty="0" smtClean="0"/>
-              <a:t> </a:t>
-            </a:r>
-            <a:r>
-              <a:rPr lang="en-US" dirty="0" err="1" smtClean="0"/>
-              <a:t>dụng</a:t>
-            </a:r>
-            <a:r>
-              <a:rPr lang="en-US" dirty="0" smtClean="0"/>
-              <a:t> </a:t>
-            </a:r>
-            <a:r>
-              <a:rPr lang="en-US" dirty="0" err="1" smtClean="0"/>
-              <a:t>với</a:t>
-            </a:r>
-            <a:r>
-              <a:rPr lang="en-US" dirty="0" smtClean="0"/>
-              <a:t> </a:t>
-            </a:r>
-            <a:r>
-              <a:rPr lang="en-US" dirty="0" err="1" smtClean="0"/>
-              <a:t>dạng</a:t>
-            </a:r>
-            <a:r>
-              <a:rPr lang="en-US" dirty="0" smtClean="0"/>
-              <a:t> mobile app (React Native)</a:t>
+              <a:rPr lang="en-US" dirty="0"/>
+              <a:t>	</a:t>
             </a:r>
             <a:endParaRPr lang="en-US" dirty="0" smtClean="0"/>
+          </a:p>
+          <a:p>
+            <a:endParaRPr lang="en-US" b="1" dirty="0" smtClean="0"/>
+          </a:p>
+          <a:p>
+            <a:endParaRPr lang="en-US" b="1" dirty="0"/>
           </a:p>
         </p:txBody>
       </p:sp>
     </p:spTree>
     <p:extLst>
       <p:ext uri="{BB962C8B-B14F-4D97-AF65-F5344CB8AC3E}">
-        <p14:creationId xmlns:p14="http://schemas.microsoft.com/office/powerpoint/2010/main" val="33440143"/>
+        <p14:creationId xmlns:p14="http://schemas.microsoft.com/office/powerpoint/2010/main" val="2887385442"/>
       </p:ext>
     </p:extLst>
   </p:cSld>
